--- a/docs/4. 개발 환경 구성/개발환경구성.pptx
+++ b/docs/4. 개발 환경 구성/개발환경구성.pptx
@@ -3526,8 +3526,8 @@
         </p:nvSpPr>
         <p:spPr>
           <a:xfrm>
-            <a:off x="2737276" y="5695535"/>
-            <a:ext cx="6070600" cy="369332"/>
+            <a:off x="2596466" y="5459230"/>
+            <a:ext cx="6324531" cy="369332"/>
           </a:xfrm>
           <a:prstGeom prst="rect">
             <a:avLst/>
@@ -3543,12 +3543,21 @@
             <a:pPr algn="ctr"/>
             <a:r>
               <a:rPr lang="en-US" altLang="ko-KR" dirty="0"/>
-              <a:t>AWS EC2 </a:t>
+              <a:t>AWS</a:t>
             </a:r>
             <a:r>
               <a:rPr lang="ko-KR" altLang="en-US" dirty="0"/>
-              <a:t>인스턴스를 생성하여 원격으로 개발 진행</a:t>
-            </a:r>
+              <a:t>의</a:t>
+            </a:r>
+            <a:r>
+              <a:rPr lang="en-US" altLang="ko-KR" dirty="0"/>
+              <a:t> EC2 </a:t>
+            </a:r>
+            <a:r>
+              <a:rPr lang="ko-KR" altLang="en-US" dirty="0"/>
+              <a:t>인스턴스를 생성하여 개발 및 운영 서버로 사용</a:t>
+            </a:r>
+            <a:endParaRPr lang="en-US" altLang="ko-KR" dirty="0"/>
           </a:p>
         </p:txBody>
       </p:sp>
@@ -3643,7 +3652,7 @@
         </p:blipFill>
         <p:spPr bwMode="auto">
           <a:xfrm>
-            <a:off x="3485536" y="2068562"/>
+            <a:off x="7210869" y="2295109"/>
             <a:ext cx="663677" cy="663677"/>
           </a:xfrm>
           <a:prstGeom prst="rect">
@@ -3683,7 +3692,7 @@
         </p:blipFill>
         <p:spPr>
           <a:xfrm>
-            <a:off x="3308840" y="4629903"/>
+            <a:off x="7122520" y="4783850"/>
             <a:ext cx="840373" cy="1014912"/>
           </a:xfrm>
           <a:prstGeom prst="rect">
@@ -3720,7 +3729,7 @@
         </p:blipFill>
         <p:spPr bwMode="auto">
           <a:xfrm>
-            <a:off x="4240843" y="3292630"/>
+            <a:off x="6780707" y="3518052"/>
             <a:ext cx="1524000" cy="952500"/>
           </a:xfrm>
           <a:prstGeom prst="rect">
@@ -3752,7 +3761,7 @@
         </p:nvSpPr>
         <p:spPr>
           <a:xfrm>
-            <a:off x="838200" y="2215735"/>
+            <a:off x="2813756" y="2260890"/>
             <a:ext cx="3311013" cy="369332"/>
           </a:xfrm>
           <a:prstGeom prst="rect">
@@ -3768,11 +3777,7 @@
           <a:p>
             <a:r>
               <a:rPr lang="ko-KR" altLang="en-US" dirty="0"/>
-              <a:t>웹 </a:t>
-            </a:r>
-            <a:r>
-              <a:rPr lang="ko-KR" altLang="en-US" dirty="0" err="1"/>
-              <a:t>프론트엔드</a:t>
+              <a:t>웹 프론트엔드</a:t>
             </a:r>
             <a:r>
               <a:rPr lang="en-US" altLang="ko-KR" dirty="0"/>
@@ -3796,7 +3801,7 @@
         </p:nvSpPr>
         <p:spPr>
           <a:xfrm>
-            <a:off x="838200" y="3584214"/>
+            <a:off x="2813756" y="3629369"/>
             <a:ext cx="3311013" cy="369332"/>
           </a:xfrm>
           <a:prstGeom prst="rect">
@@ -3836,7 +3841,7 @@
         </p:nvSpPr>
         <p:spPr>
           <a:xfrm>
-            <a:off x="838200" y="4952693"/>
+            <a:off x="2813756" y="4997848"/>
             <a:ext cx="3311013" cy="369332"/>
           </a:xfrm>
           <a:prstGeom prst="rect">
@@ -3857,6 +3862,120 @@
             <a:r>
               <a:rPr lang="en-US" altLang="ko-KR" dirty="0"/>
               <a:t>: Prisma</a:t>
+            </a:r>
+            <a:endParaRPr lang="ko-KR" altLang="en-US" dirty="0"/>
+          </a:p>
+        </p:txBody>
+      </p:sp>
+      <p:sp>
+        <p:nvSpPr>
+          <p:cNvPr id="11" name="TextBox 10">
+            <a:extLst>
+              <a:ext uri="{FF2B5EF4-FFF2-40B4-BE49-F238E27FC236}">
+                <a16:creationId xmlns:a16="http://schemas.microsoft.com/office/drawing/2014/main" id="{AAF8580C-27AE-4C9D-A3CA-2AF2AC77F8F4}"/>
+              </a:ext>
+            </a:extLst>
+          </p:cNvPr>
+          <p:cNvSpPr txBox="1"/>
+          <p:nvPr/>
+        </p:nvSpPr>
+        <p:spPr>
+          <a:xfrm>
+            <a:off x="2813756" y="2692472"/>
+            <a:ext cx="4828822" cy="369332"/>
+          </a:xfrm>
+          <a:prstGeom prst="rect">
+            <a:avLst/>
+          </a:prstGeom>
+          <a:noFill/>
+        </p:spPr>
+        <p:txBody>
+          <a:bodyPr wrap="square" rtlCol="0">
+            <a:spAutoFit/>
+          </a:bodyPr>
+          <a:lstStyle/>
+          <a:p>
+            <a:r>
+              <a:rPr lang="en-US" altLang="ko-KR" dirty="0">
+                <a:hlinkClick r:id="rId5"/>
+              </a:rPr>
+              <a:t>https://kr.vuejs.org/v2/guide/index.html</a:t>
+            </a:r>
+            <a:endParaRPr lang="ko-KR" altLang="en-US" dirty="0"/>
+          </a:p>
+        </p:txBody>
+      </p:sp>
+      <p:sp>
+        <p:nvSpPr>
+          <p:cNvPr id="12" name="TextBox 11">
+            <a:extLst>
+              <a:ext uri="{FF2B5EF4-FFF2-40B4-BE49-F238E27FC236}">
+                <a16:creationId xmlns:a16="http://schemas.microsoft.com/office/drawing/2014/main" id="{D384E652-1BA3-40EA-A468-4F22A803AB0C}"/>
+              </a:ext>
+            </a:extLst>
+          </p:cNvPr>
+          <p:cNvSpPr txBox="1"/>
+          <p:nvPr/>
+        </p:nvSpPr>
+        <p:spPr>
+          <a:xfrm>
+            <a:off x="2813756" y="4066256"/>
+            <a:ext cx="4828822" cy="369332"/>
+          </a:xfrm>
+          <a:prstGeom prst="rect">
+            <a:avLst/>
+          </a:prstGeom>
+          <a:noFill/>
+        </p:spPr>
+        <p:txBody>
+          <a:bodyPr wrap="square" rtlCol="0">
+            <a:spAutoFit/>
+          </a:bodyPr>
+          <a:lstStyle/>
+          <a:p>
+            <a:r>
+              <a:rPr lang="en-US" altLang="ko-KR" dirty="0">
+                <a:hlinkClick r:id="rId6"/>
+              </a:rPr>
+              <a:t>https://expressjs.com/ko/</a:t>
+            </a:r>
+            <a:endParaRPr lang="ko-KR" altLang="en-US" dirty="0"/>
+          </a:p>
+        </p:txBody>
+      </p:sp>
+      <p:sp>
+        <p:nvSpPr>
+          <p:cNvPr id="13" name="TextBox 12">
+            <a:extLst>
+              <a:ext uri="{FF2B5EF4-FFF2-40B4-BE49-F238E27FC236}">
+                <a16:creationId xmlns:a16="http://schemas.microsoft.com/office/drawing/2014/main" id="{03EE4483-6B97-4B90-8F19-BC2B7D728BB8}"/>
+              </a:ext>
+            </a:extLst>
+          </p:cNvPr>
+          <p:cNvSpPr txBox="1"/>
+          <p:nvPr/>
+        </p:nvSpPr>
+        <p:spPr>
+          <a:xfrm>
+            <a:off x="2813756" y="5429430"/>
+            <a:ext cx="4828822" cy="369332"/>
+          </a:xfrm>
+          <a:prstGeom prst="rect">
+            <a:avLst/>
+          </a:prstGeom>
+          <a:noFill/>
+        </p:spPr>
+        <p:txBody>
+          <a:bodyPr wrap="square" rtlCol="0">
+            <a:spAutoFit/>
+          </a:bodyPr>
+          <a:lstStyle/>
+          <a:p>
+            <a:r>
+              <a:rPr lang="en-US" altLang="ko-KR" dirty="0">
+                <a:hlinkClick r:id="rId7"/>
+              </a:rPr>
+              <a:t>https://www.prisma.io/</a:t>
             </a:r>
             <a:endParaRPr lang="ko-KR" altLang="en-US" dirty="0"/>
           </a:p>
@@ -3894,6 +4013,153 @@
       </p:grpSpPr>
       <p:sp>
         <p:nvSpPr>
+          <p:cNvPr id="14" name="사각형: 둥근 모서리 13">
+            <a:extLst>
+              <a:ext uri="{FF2B5EF4-FFF2-40B4-BE49-F238E27FC236}">
+                <a16:creationId xmlns:a16="http://schemas.microsoft.com/office/drawing/2014/main" id="{4918E27F-F750-4ECD-AA4A-8234741914BF}"/>
+              </a:ext>
+            </a:extLst>
+          </p:cNvPr>
+          <p:cNvSpPr/>
+          <p:nvPr/>
+        </p:nvSpPr>
+        <p:spPr>
+          <a:xfrm>
+            <a:off x="251178" y="3639175"/>
+            <a:ext cx="1701800" cy="369332"/>
+          </a:xfrm>
+          <a:prstGeom prst="roundRect">
+            <a:avLst/>
+          </a:prstGeom>
+          <a:solidFill>
+            <a:srgbClr val="45566F"/>
+          </a:solidFill>
+        </p:spPr>
+        <p:style>
+          <a:lnRef idx="2">
+            <a:schemeClr val="accent1">
+              <a:shade val="50000"/>
+            </a:schemeClr>
+          </a:lnRef>
+          <a:fillRef idx="1">
+            <a:schemeClr val="accent1"/>
+          </a:fillRef>
+          <a:effectRef idx="0">
+            <a:schemeClr val="accent1"/>
+          </a:effectRef>
+          <a:fontRef idx="minor">
+            <a:schemeClr val="lt1"/>
+          </a:fontRef>
+        </p:style>
+        <p:txBody>
+          <a:bodyPr rtlCol="0" anchor="ctr"/>
+          <a:lstStyle/>
+          <a:p>
+            <a:pPr algn="ctr"/>
+            <a:endParaRPr lang="ko-KR" altLang="en-US"/>
+          </a:p>
+        </p:txBody>
+      </p:sp>
+      <p:sp>
+        <p:nvSpPr>
+          <p:cNvPr id="15" name="사각형: 둥근 모서리 14">
+            <a:extLst>
+              <a:ext uri="{FF2B5EF4-FFF2-40B4-BE49-F238E27FC236}">
+                <a16:creationId xmlns:a16="http://schemas.microsoft.com/office/drawing/2014/main" id="{16527DFC-33D5-4256-AF17-9C9FA669471D}"/>
+              </a:ext>
+            </a:extLst>
+          </p:cNvPr>
+          <p:cNvSpPr/>
+          <p:nvPr/>
+        </p:nvSpPr>
+        <p:spPr>
+          <a:xfrm>
+            <a:off x="251178" y="5402001"/>
+            <a:ext cx="1780822" cy="369332"/>
+          </a:xfrm>
+          <a:prstGeom prst="roundRect">
+            <a:avLst/>
+          </a:prstGeom>
+          <a:solidFill>
+            <a:srgbClr val="45566F"/>
+          </a:solidFill>
+        </p:spPr>
+        <p:style>
+          <a:lnRef idx="2">
+            <a:schemeClr val="accent1">
+              <a:shade val="50000"/>
+            </a:schemeClr>
+          </a:lnRef>
+          <a:fillRef idx="1">
+            <a:schemeClr val="accent1"/>
+          </a:fillRef>
+          <a:effectRef idx="0">
+            <a:schemeClr val="accent1"/>
+          </a:effectRef>
+          <a:fontRef idx="minor">
+            <a:schemeClr val="lt1"/>
+          </a:fontRef>
+        </p:style>
+        <p:txBody>
+          <a:bodyPr rtlCol="0" anchor="ctr"/>
+          <a:lstStyle/>
+          <a:p>
+            <a:pPr algn="ctr"/>
+            <a:endParaRPr lang="ko-KR" altLang="en-US"/>
+          </a:p>
+        </p:txBody>
+      </p:sp>
+      <p:sp>
+        <p:nvSpPr>
+          <p:cNvPr id="8" name="사각형: 둥근 모서리 7">
+            <a:extLst>
+              <a:ext uri="{FF2B5EF4-FFF2-40B4-BE49-F238E27FC236}">
+                <a16:creationId xmlns:a16="http://schemas.microsoft.com/office/drawing/2014/main" id="{D4201FEA-12BC-49C9-A431-3FF00BE5A03B}"/>
+              </a:ext>
+            </a:extLst>
+          </p:cNvPr>
+          <p:cNvSpPr/>
+          <p:nvPr/>
+        </p:nvSpPr>
+        <p:spPr>
+          <a:xfrm>
+            <a:off x="239889" y="2421528"/>
+            <a:ext cx="800517" cy="369332"/>
+          </a:xfrm>
+          <a:prstGeom prst="roundRect">
+            <a:avLst/>
+          </a:prstGeom>
+          <a:solidFill>
+            <a:srgbClr val="45566F"/>
+          </a:solidFill>
+        </p:spPr>
+        <p:style>
+          <a:lnRef idx="2">
+            <a:schemeClr val="accent1">
+              <a:shade val="50000"/>
+            </a:schemeClr>
+          </a:lnRef>
+          <a:fillRef idx="1">
+            <a:schemeClr val="accent1"/>
+          </a:fillRef>
+          <a:effectRef idx="0">
+            <a:schemeClr val="accent1"/>
+          </a:effectRef>
+          <a:fontRef idx="minor">
+            <a:schemeClr val="lt1"/>
+          </a:fontRef>
+        </p:style>
+        <p:txBody>
+          <a:bodyPr rtlCol="0" anchor="ctr"/>
+          <a:lstStyle/>
+          <a:p>
+            <a:pPr algn="ctr"/>
+            <a:endParaRPr lang="ko-KR" altLang="en-US"/>
+          </a:p>
+        </p:txBody>
+      </p:sp>
+      <p:sp>
+        <p:nvSpPr>
           <p:cNvPr id="2" name="제목 1">
             <a:extLst>
               <a:ext uri="{FF2B5EF4-FFF2-40B4-BE49-F238E27FC236}">
@@ -3953,7 +4219,7 @@
         </p:blipFill>
         <p:spPr bwMode="auto">
           <a:xfrm>
-            <a:off x="4149213" y="2000142"/>
+            <a:off x="3517035" y="2266133"/>
             <a:ext cx="800517" cy="800517"/>
           </a:xfrm>
           <a:prstGeom prst="rect">
@@ -3985,7 +4251,7 @@
         </p:nvSpPr>
         <p:spPr>
           <a:xfrm>
-            <a:off x="838200" y="2215735"/>
+            <a:off x="239889" y="2429680"/>
             <a:ext cx="3311013" cy="369332"/>
           </a:xfrm>
           <a:prstGeom prst="rect">
@@ -4000,12 +4266,16 @@
           <a:lstStyle/>
           <a:p>
             <a:r>
-              <a:rPr lang="ko-KR" altLang="en-US" dirty="0"/>
+              <a:rPr lang="ko-KR" altLang="en-US" b="1" dirty="0">
+                <a:solidFill>
+                  <a:schemeClr val="bg1"/>
+                </a:solidFill>
+              </a:rPr>
               <a:t>에디터</a:t>
             </a:r>
             <a:r>
               <a:rPr lang="en-US" altLang="ko-KR" dirty="0"/>
-              <a:t>: Visual Studio Code</a:t>
+              <a:t> Visual Studio Code</a:t>
             </a:r>
             <a:endParaRPr lang="ko-KR" altLang="en-US" dirty="0"/>
           </a:p>
@@ -4025,7 +4295,7 @@
         </p:nvSpPr>
         <p:spPr>
           <a:xfrm>
-            <a:off x="838200" y="3688010"/>
+            <a:off x="214041" y="3672922"/>
             <a:ext cx="4111530" cy="923330"/>
           </a:xfrm>
           <a:prstGeom prst="rect">
@@ -4040,17 +4310,26 @@
           <a:lstStyle/>
           <a:p>
             <a:r>
-              <a:rPr lang="en-US" altLang="ko-KR" dirty="0"/>
+              <a:rPr lang="en-US" altLang="ko-KR" b="1" dirty="0">
+                <a:solidFill>
+                  <a:schemeClr val="bg1"/>
+                </a:solidFill>
+              </a:rPr>
               <a:t>SSH </a:t>
             </a:r>
             <a:r>
-              <a:rPr lang="ko-KR" altLang="en-US" dirty="0"/>
+              <a:rPr lang="ko-KR" altLang="en-US" b="1" dirty="0">
+                <a:solidFill>
+                  <a:schemeClr val="bg1"/>
+                </a:solidFill>
+              </a:rPr>
               <a:t>클라이언트</a:t>
             </a:r>
-            <a:r>
-              <a:rPr lang="en-US" altLang="ko-KR" dirty="0"/>
-              <a:t>:</a:t>
-            </a:r>
+            <a:endParaRPr lang="en-US" altLang="ko-KR" b="1" dirty="0">
+              <a:solidFill>
+                <a:schemeClr val="bg1"/>
+              </a:solidFill>
+            </a:endParaRPr>
           </a:p>
           <a:p>
             <a:r>
@@ -4097,7 +4376,7 @@
         </p:blipFill>
         <p:spPr bwMode="auto">
           <a:xfrm>
-            <a:off x="4949730" y="3592625"/>
+            <a:off x="4317552" y="3566368"/>
             <a:ext cx="1079500" cy="1114099"/>
           </a:xfrm>
           <a:prstGeom prst="rect">
@@ -4115,6 +4394,275 @@
           </a:extLst>
         </p:spPr>
       </p:pic>
+      <p:sp>
+        <p:nvSpPr>
+          <p:cNvPr id="7" name="TextBox 6">
+            <a:extLst>
+              <a:ext uri="{FF2B5EF4-FFF2-40B4-BE49-F238E27FC236}">
+                <a16:creationId xmlns:a16="http://schemas.microsoft.com/office/drawing/2014/main" id="{06DD8A44-8AA6-4D36-977F-515954B12A5B}"/>
+              </a:ext>
+            </a:extLst>
+          </p:cNvPr>
+          <p:cNvSpPr txBox="1"/>
+          <p:nvPr/>
+        </p:nvSpPr>
+        <p:spPr>
+          <a:xfrm>
+            <a:off x="5665868" y="2291181"/>
+            <a:ext cx="6526132" cy="923330"/>
+          </a:xfrm>
+          <a:prstGeom prst="rect">
+            <a:avLst/>
+          </a:prstGeom>
+          <a:noFill/>
+        </p:spPr>
+        <p:txBody>
+          <a:bodyPr wrap="square" rtlCol="0">
+            <a:spAutoFit/>
+          </a:bodyPr>
+          <a:lstStyle/>
+          <a:p>
+            <a:r>
+              <a:rPr lang="en-US" altLang="ko-KR" dirty="0"/>
+              <a:t>Remote</a:t>
+            </a:r>
+            <a:r>
+              <a:rPr lang="ko-KR" altLang="en-US" dirty="0"/>
+              <a:t> </a:t>
+            </a:r>
+            <a:r>
+              <a:rPr lang="en-US" altLang="ko-KR" dirty="0"/>
+              <a:t>Development</a:t>
+            </a:r>
+          </a:p>
+          <a:p>
+            <a:r>
+              <a:rPr lang="en-US" altLang="ko-KR" dirty="0"/>
+              <a:t>SSH</a:t>
+            </a:r>
+            <a:r>
+              <a:rPr lang="ko-KR" altLang="en-US" dirty="0"/>
+              <a:t>를 통해 원격 서버로 접속하여 개발 가능한 확장 플러그인</a:t>
+            </a:r>
+            <a:endParaRPr lang="en-US" altLang="ko-KR" dirty="0"/>
+          </a:p>
+          <a:p>
+            <a:r>
+              <a:rPr lang="en-US" altLang="ko-KR" dirty="0">
+                <a:hlinkClick r:id="rId4"/>
+              </a:rPr>
+              <a:t>https://code.visualstudio.com/docs/remote/remote-overview</a:t>
+            </a:r>
+            <a:endParaRPr lang="ko-KR" altLang="en-US" dirty="0"/>
+          </a:p>
+        </p:txBody>
+      </p:sp>
+      <p:sp>
+        <p:nvSpPr>
+          <p:cNvPr id="3" name="십자형 2">
+            <a:extLst>
+              <a:ext uri="{FF2B5EF4-FFF2-40B4-BE49-F238E27FC236}">
+                <a16:creationId xmlns:a16="http://schemas.microsoft.com/office/drawing/2014/main" id="{CFAF6222-3658-4500-A6B1-0E22A577C585}"/>
+              </a:ext>
+            </a:extLst>
+          </p:cNvPr>
+          <p:cNvSpPr/>
+          <p:nvPr/>
+        </p:nvSpPr>
+        <p:spPr>
+          <a:xfrm>
+            <a:off x="4857302" y="2410239"/>
+            <a:ext cx="539750" cy="540000"/>
+          </a:xfrm>
+          <a:prstGeom prst="plus">
+            <a:avLst>
+              <a:gd name="adj" fmla="val 39641"/>
+            </a:avLst>
+          </a:prstGeom>
+          <a:solidFill>
+            <a:schemeClr val="tx1"/>
+          </a:solidFill>
+        </p:spPr>
+        <p:style>
+          <a:lnRef idx="2">
+            <a:schemeClr val="accent1">
+              <a:shade val="50000"/>
+            </a:schemeClr>
+          </a:lnRef>
+          <a:fillRef idx="1">
+            <a:schemeClr val="accent1"/>
+          </a:fillRef>
+          <a:effectRef idx="0">
+            <a:schemeClr val="accent1"/>
+          </a:effectRef>
+          <a:fontRef idx="minor">
+            <a:schemeClr val="lt1"/>
+          </a:fontRef>
+        </p:style>
+        <p:txBody>
+          <a:bodyPr rtlCol="0" anchor="ctr"/>
+          <a:lstStyle/>
+          <a:p>
+            <a:pPr algn="ctr"/>
+            <a:endParaRPr lang="ko-KR" altLang="en-US"/>
+          </a:p>
+        </p:txBody>
+      </p:sp>
+      <p:sp>
+        <p:nvSpPr>
+          <p:cNvPr id="9" name="TextBox 8">
+            <a:extLst>
+              <a:ext uri="{FF2B5EF4-FFF2-40B4-BE49-F238E27FC236}">
+                <a16:creationId xmlns:a16="http://schemas.microsoft.com/office/drawing/2014/main" id="{B7D7DE61-CA4D-493E-A39E-4D1E678DDC93}"/>
+              </a:ext>
+            </a:extLst>
+          </p:cNvPr>
+          <p:cNvSpPr txBox="1"/>
+          <p:nvPr/>
+        </p:nvSpPr>
+        <p:spPr>
+          <a:xfrm>
+            <a:off x="206022" y="5402002"/>
+            <a:ext cx="4111530" cy="369332"/>
+          </a:xfrm>
+          <a:prstGeom prst="rect">
+            <a:avLst/>
+          </a:prstGeom>
+          <a:noFill/>
+        </p:spPr>
+        <p:txBody>
+          <a:bodyPr wrap="square" rtlCol="0">
+            <a:spAutoFit/>
+          </a:bodyPr>
+          <a:lstStyle/>
+          <a:p>
+            <a:r>
+              <a:rPr lang="ko-KR" altLang="en-US" b="1" dirty="0">
+                <a:solidFill>
+                  <a:schemeClr val="bg1"/>
+                </a:solidFill>
+              </a:rPr>
+              <a:t>버전 및 형상관리</a:t>
+            </a:r>
+            <a:r>
+              <a:rPr lang="en-US" altLang="ko-KR" b="1" dirty="0">
+                <a:solidFill>
+                  <a:schemeClr val="bg1"/>
+                </a:solidFill>
+              </a:rPr>
+              <a:t> </a:t>
+            </a:r>
+            <a:r>
+              <a:rPr lang="en-US" altLang="ko-KR" dirty="0"/>
+              <a:t>Git</a:t>
+            </a:r>
+          </a:p>
+        </p:txBody>
+      </p:sp>
+      <p:pic>
+        <p:nvPicPr>
+          <p:cNvPr id="6" name="Picture 2" descr="git에 대한 이미지 검색결과">
+            <a:extLst>
+              <a:ext uri="{FF2B5EF4-FFF2-40B4-BE49-F238E27FC236}">
+                <a16:creationId xmlns:a16="http://schemas.microsoft.com/office/drawing/2014/main" id="{37AC6259-6601-42B3-8681-D61F058C566B}"/>
+              </a:ext>
+            </a:extLst>
+          </p:cNvPr>
+          <p:cNvPicPr>
+            <a:picLocks noChangeAspect="1" noChangeArrowheads="1"/>
+          </p:cNvPicPr>
+          <p:nvPr/>
+        </p:nvPicPr>
+        <p:blipFill>
+          <a:blip r:embed="rId5">
+            <a:extLst>
+              <a:ext uri="{28A0092B-C50C-407E-A947-70E740481C1C}">
+                <a14:useLocalDpi xmlns:a14="http://schemas.microsoft.com/office/drawing/2010/main" val="0"/>
+              </a:ext>
+            </a:extLst>
+          </a:blip>
+          <a:srcRect/>
+          <a:stretch>
+            <a:fillRect/>
+          </a:stretch>
+        </p:blipFill>
+        <p:spPr bwMode="auto">
+          <a:xfrm>
+            <a:off x="2880832" y="5194997"/>
+            <a:ext cx="1880017" cy="783340"/>
+          </a:xfrm>
+          <a:prstGeom prst="rect">
+            <a:avLst/>
+          </a:prstGeom>
+          <a:noFill/>
+          <a:extLst>
+            <a:ext uri="{909E8E84-426E-40DD-AFC4-6F175D3DCCD1}">
+              <a14:hiddenFill xmlns:a14="http://schemas.microsoft.com/office/drawing/2010/main">
+                <a:solidFill>
+                  <a:srgbClr val="FFFFFF"/>
+                </a:solidFill>
+              </a14:hiddenFill>
+            </a:ext>
+          </a:extLst>
+        </p:spPr>
+      </p:pic>
+      <p:sp>
+        <p:nvSpPr>
+          <p:cNvPr id="12" name="TextBox 11">
+            <a:extLst>
+              <a:ext uri="{FF2B5EF4-FFF2-40B4-BE49-F238E27FC236}">
+                <a16:creationId xmlns:a16="http://schemas.microsoft.com/office/drawing/2014/main" id="{F45B9609-0A12-4F05-84E3-66C223A7D200}"/>
+              </a:ext>
+            </a:extLst>
+          </p:cNvPr>
+          <p:cNvSpPr txBox="1"/>
+          <p:nvPr/>
+        </p:nvSpPr>
+        <p:spPr>
+          <a:xfrm>
+            <a:off x="5665868" y="5263501"/>
+            <a:ext cx="4402667" cy="646331"/>
+          </a:xfrm>
+          <a:prstGeom prst="rect">
+            <a:avLst/>
+          </a:prstGeom>
+          <a:noFill/>
+        </p:spPr>
+        <p:txBody>
+          <a:bodyPr wrap="square" rtlCol="0">
+            <a:spAutoFit/>
+          </a:bodyPr>
+          <a:lstStyle/>
+          <a:p>
+            <a:r>
+              <a:rPr lang="en-US" altLang="ko-KR" dirty="0"/>
+              <a:t>Git </a:t>
+            </a:r>
+            <a:r>
+              <a:rPr lang="ko-KR" altLang="en-US" dirty="0"/>
+              <a:t>호스팅 서비스로 </a:t>
+            </a:r>
+            <a:r>
+              <a:rPr lang="en-US" altLang="ko-KR" dirty="0"/>
+              <a:t>Github</a:t>
+            </a:r>
+            <a:r>
+              <a:rPr lang="ko-KR" altLang="en-US" dirty="0"/>
+              <a:t>를 사용</a:t>
+            </a:r>
+            <a:endParaRPr lang="en-US" altLang="ko-KR" dirty="0"/>
+          </a:p>
+          <a:p>
+            <a:r>
+              <a:rPr lang="en-US" altLang="ko-KR" dirty="0">
+                <a:hlinkClick r:id="rId6"/>
+              </a:rPr>
+              <a:t>https://github.com/leegeunhyeok/noty</a:t>
+            </a:r>
+            <a:endParaRPr lang="en-US" altLang="ko-KR" dirty="0"/>
+          </a:p>
+        </p:txBody>
+      </p:sp>
     </p:spTree>
     <p:extLst>
       <p:ext uri="{BB962C8B-B14F-4D97-AF65-F5344CB8AC3E}">
